--- a/高性能计算机/14组-E级计算机APU的设计和分析.pptx
+++ b/高性能计算机/14组-E级计算机APU的设计和分析.pptx
@@ -252,7 +252,7 @@
           <a:p>
             <a:fld id="{62E80F96-9820-4CA6-AD38-E3CD7DE1BCB2}" type="datetimeFigureOut">
               <a:rPr lang="zh-CN" altLang="en-US" smtClean="0"/>
-              <a:t>20.12.30</a:t>
+              <a:t>20/12/31</a:t>
             </a:fld>
             <a:endParaRPr lang="zh-CN" altLang="en-US" dirty="0"/>
           </a:p>
@@ -643,6 +643,90 @@
           <a:bodyPr/>
           <a:lstStyle/>
           <a:p>
+            <a:endParaRPr lang="zh-CN" altLang="en-US"/>
+          </a:p>
+        </p:txBody>
+      </p:sp>
+      <p:sp>
+        <p:nvSpPr>
+          <p:cNvPr id="4" name="灯片编号占位符 3"/>
+          <p:cNvSpPr>
+            <a:spLocks noGrp="1"/>
+          </p:cNvSpPr>
+          <p:nvPr>
+            <p:ph type="sldNum" sz="quarter" idx="5"/>
+          </p:nvPr>
+        </p:nvSpPr>
+        <p:spPr/>
+        <p:txBody>
+          <a:bodyPr/>
+          <a:lstStyle/>
+          <a:p>
+            <a:fld id="{0EB011A8-E05E-4B93-9FD6-542999B8B1C9}" type="slidenum">
+              <a:rPr lang="zh-CN" altLang="en-US" smtClean="0"/>
+              <a:t>11</a:t>
+            </a:fld>
+            <a:endParaRPr lang="zh-CN" altLang="en-US" dirty="0"/>
+          </a:p>
+        </p:txBody>
+      </p:sp>
+    </p:spTree>
+    <p:extLst>
+      <p:ext uri="{BB962C8B-B14F-4D97-AF65-F5344CB8AC3E}">
+        <p14:creationId xmlns:p14="http://schemas.microsoft.com/office/powerpoint/2010/main" val="293742094"/>
+      </p:ext>
+    </p:extLst>
+  </p:cSld>
+  <p:clrMapOvr>
+    <a:masterClrMapping/>
+  </p:clrMapOvr>
+</p:notes>
+</file>
+
+<file path=ppt/notesSlides/notesSlide11.xml><?xml version="1.0" encoding="utf-8"?>
+<p:notes xmlns:a="http://schemas.openxmlformats.org/drawingml/2006/main" xmlns:r="http://schemas.openxmlformats.org/officeDocument/2006/relationships" xmlns:p="http://schemas.openxmlformats.org/presentationml/2006/main">
+  <p:cSld>
+    <p:spTree>
+      <p:nvGrpSpPr>
+        <p:cNvPr id="1" name=""/>
+        <p:cNvGrpSpPr/>
+        <p:nvPr/>
+      </p:nvGrpSpPr>
+      <p:grpSpPr>
+        <a:xfrm>
+          <a:off x="0" y="0"/>
+          <a:ext cx="0" cy="0"/>
+          <a:chOff x="0" y="0"/>
+          <a:chExt cx="0" cy="0"/>
+        </a:xfrm>
+      </p:grpSpPr>
+      <p:sp>
+        <p:nvSpPr>
+          <p:cNvPr id="2" name="幻灯片图像占位符 1"/>
+          <p:cNvSpPr>
+            <a:spLocks noGrp="1" noRot="1" noChangeAspect="1"/>
+          </p:cNvSpPr>
+          <p:nvPr>
+            <p:ph type="sldImg"/>
+          </p:nvPr>
+        </p:nvSpPr>
+        <p:spPr/>
+      </p:sp>
+      <p:sp>
+        <p:nvSpPr>
+          <p:cNvPr id="3" name="备注占位符 2"/>
+          <p:cNvSpPr>
+            <a:spLocks noGrp="1"/>
+          </p:cNvSpPr>
+          <p:nvPr>
+            <p:ph type="body" idx="1"/>
+          </p:nvPr>
+        </p:nvSpPr>
+        <p:spPr/>
+        <p:txBody>
+          <a:bodyPr/>
+          <a:lstStyle/>
+          <a:p>
             <a:r>
               <a:rPr lang="zh-CN" altLang="en-US"/>
               <a:t>通过优化技术，使得系统产生性能剩余，这部分空间可以采用提升</a:t>
@@ -735,7 +819,7 @@
 </p:notes>
 </file>
 
-<file path=ppt/notesSlides/notesSlide11.xml><?xml version="1.0" encoding="utf-8"?>
+<file path=ppt/notesSlides/notesSlide12.xml><?xml version="1.0" encoding="utf-8"?>
 <p:notes xmlns:a="http://schemas.openxmlformats.org/drawingml/2006/main" xmlns:r="http://schemas.openxmlformats.org/officeDocument/2006/relationships" xmlns:p="http://schemas.openxmlformats.org/presentationml/2006/main">
   <p:cSld>
     <p:spTree>
@@ -1191,7 +1275,10 @@
           <a:bodyPr/>
           <a:lstStyle/>
           <a:p>
-            <a:endParaRPr lang="zh-CN" altLang="en-US"/>
+            <a:r>
+              <a:rPr lang="zh-CN" altLang="en-US"/>
+              <a:t>作者首先分析这三类不同应用的执行特征，</a:t>
+            </a:r>
           </a:p>
         </p:txBody>
       </p:sp>
@@ -3179,7 +3266,7 @@
             </a:r>
             <a:r>
               <a:rPr lang="zh-CN" altLang="en-US"/>
-              <a:t>有助于解决容量问题，用于数据存储的静态功耗低，但数据读写时的动态功耗低。</a:t>
+              <a:t>有助于解决容量问题，用于数据存储的静态功耗低，但数据读写时的动态功耗高。</a:t>
             </a:r>
           </a:p>
         </p:txBody>
@@ -3221,7 +3308,7 @@
           <a:p>
             <a:r>
               <a:rPr lang="zh-CN" altLang="en-US"/>
-              <a:t>而其他应用，较大的片外流量，因此受制于NVM的动态高功耗，系统总体功耗有明显增加，需要综合功耗和容量需求两方面，选择合适的配置参数。</a:t>
+              <a:t>而其他应用，较大的片外流量，因此受制于NVM的高动态功耗，系统总体功耗有明显增加，需要综合功耗和容量需求两方面，选择合适的配置参数。</a:t>
             </a:r>
           </a:p>
         </p:txBody>
@@ -3721,7 +3808,7 @@
           <p:nvPr/>
         </p:nvPicPr>
         <p:blipFill>
-          <a:blip r:embed="rId2"/>
+          <a:blip r:embed="rId3"/>
           <a:stretch>
             <a:fillRect/>
           </a:stretch>
@@ -6418,7 +6505,7 @@
                 <a:ea typeface="宋体" panose="02010600030101010101" pitchFamily="2" charset="-122"/>
                 <a:cs typeface="华文楷体" panose="02010600040101010101" pitchFamily="2" charset="-122"/>
               </a:rPr>
-              <a:t>轴向右移动。</a:t>
+              <a:t>坐标向右移动。</a:t>
             </a:r>
             <a:endParaRPr lang="en-US" altLang="zh-CN" sz="2000">
               <a:latin typeface="宋体" panose="02010600030101010101" pitchFamily="2" charset="-122"/>
